--- a/Chapter 3 - ControlTheory/ControlTheoryCodeImplementation.pptx
+++ b/Chapter 3 - ControlTheory/ControlTheoryCodeImplementation.pptx
@@ -274,7 +274,7 @@
       <p15:sldGuideLst xmlns:p15="http://schemas.microsoft.com/office/powerpoint/2012/main"/>
     </p:ext>
     <p:ext uri="http://customooxmlschemas.google.com/">
-      <go:slidesCustomData xmlns:go="http://customooxmlschemas.google.com/" xmlns:ahyp="http://schemas.microsoft.com/office/drawing/2018/hyperlinkcolor" xmlns:p15="http://schemas.microsoft.com/office/powerpoint/2012/main" xmlns:p14="http://schemas.microsoft.com/office/powerpoint/2010/main" xmlns:com="http://schemas.openxmlformats.org/drawingml/2006/compatibility" xmlns:pvml="urn:schemas-microsoft-com:office:powerpoint" xmlns:v="urn:schemas-microsoft-com:vml" xmlns:o="urn:schemas-microsoft-com:office:office" xmlns:dgm="http://schemas.openxmlformats.org/drawingml/2006/diagram" xmlns:c="http://schemas.openxmlformats.org/drawingml/2006/chart" xmlns:mv="urn:schemas-microsoft-com:mac:vml" xmlns:mc="http://schemas.openxmlformats.org/markup-compatibility/2006" xmlns="" r:id="rId38" roundtripDataSignature="AMtx7mhUVJU3jbxGl11X7yrLJ5REy1msmg=="/>
+      <go:slidesCustomData xmlns="" xmlns:mc="http://schemas.openxmlformats.org/markup-compatibility/2006" xmlns:mv="urn:schemas-microsoft-com:mac:vml" xmlns:c="http://schemas.openxmlformats.org/drawingml/2006/chart" xmlns:dgm="http://schemas.openxmlformats.org/drawingml/2006/diagram" xmlns:o="urn:schemas-microsoft-com:office:office" xmlns:v="urn:schemas-microsoft-com:vml" xmlns:pvml="urn:schemas-microsoft-com:office:powerpoint" xmlns:com="http://schemas.openxmlformats.org/drawingml/2006/compatibility" xmlns:p14="http://schemas.microsoft.com/office/powerpoint/2010/main" xmlns:p15="http://schemas.microsoft.com/office/powerpoint/2012/main" xmlns:ahyp="http://schemas.microsoft.com/office/drawing/2018/hyperlinkcolor" xmlns:go="http://customooxmlschemas.google.com/" r:id="rId38" roundtripDataSignature="AMtx7mhUVJU3jbxGl11X7yrLJ5REy1msmg=="/>
     </p:ext>
   </p:extLst>
 </p:presentation>
@@ -29333,7 +29333,28 @@
                 <a:latin typeface="Rubik" pitchFamily="2" charset="-79"/>
                 <a:cs typeface="Rubik" pitchFamily="2" charset="-79"/>
               </a:rPr>
-              <a:t>We use custom made java records that you can download from here.</a:t>
+              <a:t>We use custom made java records that you can download from </a:t>
+            </a:r>
+            <a:r>
+              <a:rPr lang="en-US" sz="1800" dirty="0">
+                <a:solidFill>
+                  <a:schemeClr val="dk1"/>
+                </a:solidFill>
+                <a:latin typeface="Rubik" pitchFamily="2" charset="-79"/>
+                <a:cs typeface="Rubik" pitchFamily="2" charset="-79"/>
+                <a:hlinkClick r:id="rId3"/>
+              </a:rPr>
+              <a:t>here</a:t>
+            </a:r>
+            <a:r>
+              <a:rPr lang="en-US" sz="1800" dirty="0">
+                <a:solidFill>
+                  <a:schemeClr val="dk1"/>
+                </a:solidFill>
+                <a:latin typeface="Rubik" pitchFamily="2" charset="-79"/>
+                <a:cs typeface="Rubik" pitchFamily="2" charset="-79"/>
+              </a:rPr>
+              <a:t>.</a:t>
             </a:r>
           </a:p>
         </p:txBody>
@@ -29353,7 +29374,7 @@
           <p:nvPr/>
         </p:nvPicPr>
         <p:blipFill>
-          <a:blip r:embed="rId3">
+          <a:blip r:embed="rId4">
             <a:extLst>
               <a:ext uri="{28A0092B-C50C-407E-A947-70E740481C1C}">
                 <a14:useLocalDpi xmlns:a14="http://schemas.microsoft.com/office/drawing/2010/main" val="0"/>
